--- a/fig/3-new-planner/LShapeDef.pptx
+++ b/fig/3-new-planner/LShapeDef.pptx
@@ -243,7 +243,7 @@
           <a:p>
             <a:fld id="{8E3EF90E-3D4D-4829-B9FB-A1A4E2D0DB54}" type="datetimeFigureOut">
               <a:rPr kumimoji="1" lang="ja-JP" altLang="en-US" smtClean="0"/>
-              <a:t>2023/1/13</a:t>
+              <a:t>2023/1/19</a:t>
             </a:fld>
             <a:endParaRPr kumimoji="1" lang="ja-JP" altLang="en-US"/>
           </a:p>
@@ -445,7 +445,7 @@
           <a:p>
             <a:fld id="{8E3EF90E-3D4D-4829-B9FB-A1A4E2D0DB54}" type="datetimeFigureOut">
               <a:rPr kumimoji="1" lang="ja-JP" altLang="en-US" smtClean="0"/>
-              <a:t>2023/1/13</a:t>
+              <a:t>2023/1/19</a:t>
             </a:fld>
             <a:endParaRPr kumimoji="1" lang="ja-JP" altLang="en-US"/>
           </a:p>
@@ -657,7 +657,7 @@
           <a:p>
             <a:fld id="{8E3EF90E-3D4D-4829-B9FB-A1A4E2D0DB54}" type="datetimeFigureOut">
               <a:rPr kumimoji="1" lang="ja-JP" altLang="en-US" smtClean="0"/>
-              <a:t>2023/1/13</a:t>
+              <a:t>2023/1/19</a:t>
             </a:fld>
             <a:endParaRPr kumimoji="1" lang="ja-JP" altLang="en-US"/>
           </a:p>
@@ -859,7 +859,7 @@
           <a:p>
             <a:fld id="{8E3EF90E-3D4D-4829-B9FB-A1A4E2D0DB54}" type="datetimeFigureOut">
               <a:rPr kumimoji="1" lang="ja-JP" altLang="en-US" smtClean="0"/>
-              <a:t>2023/1/13</a:t>
+              <a:t>2023/1/19</a:t>
             </a:fld>
             <a:endParaRPr kumimoji="1" lang="ja-JP" altLang="en-US"/>
           </a:p>
@@ -1103,7 +1103,7 @@
           <a:p>
             <a:fld id="{8E3EF90E-3D4D-4829-B9FB-A1A4E2D0DB54}" type="datetimeFigureOut">
               <a:rPr kumimoji="1" lang="ja-JP" altLang="en-US" smtClean="0"/>
-              <a:t>2023/1/13</a:t>
+              <a:t>2023/1/19</a:t>
             </a:fld>
             <a:endParaRPr kumimoji="1" lang="ja-JP" altLang="en-US"/>
           </a:p>
@@ -1399,7 +1399,7 @@
           <a:p>
             <a:fld id="{8E3EF90E-3D4D-4829-B9FB-A1A4E2D0DB54}" type="datetimeFigureOut">
               <a:rPr kumimoji="1" lang="ja-JP" altLang="en-US" smtClean="0"/>
-              <a:t>2023/1/13</a:t>
+              <a:t>2023/1/19</a:t>
             </a:fld>
             <a:endParaRPr kumimoji="1" lang="ja-JP" altLang="en-US"/>
           </a:p>
@@ -1830,7 +1830,7 @@
           <a:p>
             <a:fld id="{8E3EF90E-3D4D-4829-B9FB-A1A4E2D0DB54}" type="datetimeFigureOut">
               <a:rPr kumimoji="1" lang="ja-JP" altLang="en-US" smtClean="0"/>
-              <a:t>2023/1/13</a:t>
+              <a:t>2023/1/19</a:t>
             </a:fld>
             <a:endParaRPr kumimoji="1" lang="ja-JP" altLang="en-US"/>
           </a:p>
@@ -1948,7 +1948,7 @@
           <a:p>
             <a:fld id="{8E3EF90E-3D4D-4829-B9FB-A1A4E2D0DB54}" type="datetimeFigureOut">
               <a:rPr kumimoji="1" lang="ja-JP" altLang="en-US" smtClean="0"/>
-              <a:t>2023/1/13</a:t>
+              <a:t>2023/1/19</a:t>
             </a:fld>
             <a:endParaRPr kumimoji="1" lang="ja-JP" altLang="en-US"/>
           </a:p>
@@ -2043,7 +2043,7 @@
           <a:p>
             <a:fld id="{8E3EF90E-3D4D-4829-B9FB-A1A4E2D0DB54}" type="datetimeFigureOut">
               <a:rPr kumimoji="1" lang="ja-JP" altLang="en-US" smtClean="0"/>
-              <a:t>2023/1/13</a:t>
+              <a:t>2023/1/19</a:t>
             </a:fld>
             <a:endParaRPr kumimoji="1" lang="ja-JP" altLang="en-US"/>
           </a:p>
@@ -2352,7 +2352,7 @@
           <a:p>
             <a:fld id="{8E3EF90E-3D4D-4829-B9FB-A1A4E2D0DB54}" type="datetimeFigureOut">
               <a:rPr kumimoji="1" lang="ja-JP" altLang="en-US" smtClean="0"/>
-              <a:t>2023/1/13</a:t>
+              <a:t>2023/1/19</a:t>
             </a:fld>
             <a:endParaRPr kumimoji="1" lang="ja-JP" altLang="en-US"/>
           </a:p>
@@ -2609,7 +2609,7 @@
           <a:p>
             <a:fld id="{8E3EF90E-3D4D-4829-B9FB-A1A4E2D0DB54}" type="datetimeFigureOut">
               <a:rPr kumimoji="1" lang="ja-JP" altLang="en-US" smtClean="0"/>
-              <a:t>2023/1/13</a:t>
+              <a:t>2023/1/19</a:t>
             </a:fld>
             <a:endParaRPr kumimoji="1" lang="ja-JP" altLang="en-US"/>
           </a:p>
@@ -2854,7 +2854,7 @@
           <a:p>
             <a:fld id="{8E3EF90E-3D4D-4829-B9FB-A1A4E2D0DB54}" type="datetimeFigureOut">
               <a:rPr kumimoji="1" lang="ja-JP" altLang="en-US" smtClean="0"/>
-              <a:t>2023/1/13</a:t>
+              <a:t>2023/1/19</a:t>
             </a:fld>
             <a:endParaRPr kumimoji="1" lang="ja-JP" altLang="en-US"/>
           </a:p>
@@ -3259,8 +3259,8 @@
           <a:chExt cx="0" cy="0"/>
         </a:xfrm>
       </p:grpSpPr>
-      <mc:AlternateContent xmlns:mc="http://schemas.openxmlformats.org/markup-compatibility/2006">
-        <mc:Choice xmlns:a14="http://schemas.microsoft.com/office/drawing/2010/main" Requires="a14">
+      <mc:AlternateContent xmlns:mc="http://schemas.openxmlformats.org/markup-compatibility/2006" xmlns:a14="http://schemas.microsoft.com/office/drawing/2010/main">
+        <mc:Choice Requires="a14">
           <p:sp>
             <p:nvSpPr>
               <p:cNvPr id="5" name="テキスト ボックス 4">
@@ -3310,7 +3310,7 @@
             </p:txBody>
           </p:sp>
         </mc:Choice>
-        <mc:Fallback>
+        <mc:Fallback xmlns="">
           <p:sp>
             <p:nvSpPr>
               <p:cNvPr id="5" name="テキスト ボックス 4">
@@ -3457,10 +3457,10 @@
         </p:nvGrpSpPr>
         <p:grpSpPr>
           <a:xfrm>
-            <a:off x="1137675" y="334341"/>
-            <a:ext cx="5253889" cy="6033558"/>
-            <a:chOff x="583493" y="740741"/>
-            <a:chExt cx="4115779" cy="4726554"/>
+            <a:off x="1137674" y="334341"/>
+            <a:ext cx="5253890" cy="6033558"/>
+            <a:chOff x="583492" y="740741"/>
+            <a:chExt cx="4115780" cy="4726554"/>
           </a:xfrm>
         </p:grpSpPr>
         <p:cxnSp>
@@ -3573,7 +3573,7 @@
           <p:spPr>
             <a:xfrm>
               <a:off x="583493" y="1689182"/>
-              <a:ext cx="1801039" cy="3521142"/>
+              <a:ext cx="1811466" cy="3521142"/>
             </a:xfrm>
             <a:prstGeom prst="line">
               <a:avLst/>
@@ -3608,13 +3608,15 @@
                 </a:ext>
               </a:extLst>
             </p:cNvPr>
-            <p:cNvCxnSpPr/>
+            <p:cNvCxnSpPr>
+              <a:cxnSpLocks/>
+            </p:cNvCxnSpPr>
             <p:nvPr/>
           </p:nvCxnSpPr>
           <p:spPr>
             <a:xfrm flipV="1">
-              <a:off x="583493" y="1498036"/>
-              <a:ext cx="466492" cy="193190"/>
+              <a:off x="583492" y="1443679"/>
+              <a:ext cx="576549" cy="273784"/>
             </a:xfrm>
             <a:prstGeom prst="line">
               <a:avLst/>
@@ -3697,7 +3699,7 @@
           </p:nvCxnSpPr>
           <p:spPr>
             <a:xfrm>
-              <a:off x="1043499" y="1498036"/>
+              <a:off x="1153602" y="1434355"/>
               <a:ext cx="1561267" cy="2907715"/>
             </a:xfrm>
             <a:prstGeom prst="line">
@@ -3733,13 +3735,15 @@
                 </a:ext>
               </a:extLst>
             </p:cNvPr>
-            <p:cNvCxnSpPr/>
+            <p:cNvCxnSpPr>
+              <a:cxnSpLocks/>
+            </p:cNvCxnSpPr>
             <p:nvPr/>
           </p:nvCxnSpPr>
           <p:spPr>
             <a:xfrm flipV="1">
-              <a:off x="2604766" y="3691571"/>
-              <a:ext cx="1585350" cy="714182"/>
+              <a:off x="2714869" y="3627611"/>
+              <a:ext cx="1406068" cy="711288"/>
             </a:xfrm>
             <a:prstGeom prst="line">
               <a:avLst/>
@@ -3774,13 +3778,15 @@
                 </a:ext>
               </a:extLst>
             </p:cNvPr>
-            <p:cNvCxnSpPr/>
+            <p:cNvCxnSpPr>
+              <a:cxnSpLocks/>
+            </p:cNvCxnSpPr>
             <p:nvPr/>
           </p:nvCxnSpPr>
           <p:spPr>
             <a:xfrm>
-              <a:off x="4162139" y="3689764"/>
-              <a:ext cx="275533" cy="593067"/>
+              <a:off x="4120937" y="3627611"/>
+              <a:ext cx="345593" cy="604797"/>
             </a:xfrm>
             <a:prstGeom prst="line">
               <a:avLst/>
@@ -3942,13 +3948,15 @@
                 </a:ext>
               </a:extLst>
             </p:cNvPr>
-            <p:cNvCxnSpPr/>
+            <p:cNvCxnSpPr>
+              <a:cxnSpLocks/>
+            </p:cNvCxnSpPr>
             <p:nvPr/>
           </p:nvCxnSpPr>
           <p:spPr>
             <a:xfrm>
               <a:off x="622315" y="1689182"/>
-              <a:ext cx="3815357" cy="2557138"/>
+              <a:ext cx="3815357" cy="2533533"/>
             </a:xfrm>
             <a:prstGeom prst="line">
               <a:avLst/>
@@ -4017,8 +4025,8 @@
           </p:style>
         </p:cxnSp>
       </p:grpSp>
-      <mc:AlternateContent xmlns:mc="http://schemas.openxmlformats.org/markup-compatibility/2006">
-        <mc:Choice xmlns:a14="http://schemas.microsoft.com/office/drawing/2010/main" Requires="a14">
+      <mc:AlternateContent xmlns:mc="http://schemas.openxmlformats.org/markup-compatibility/2006" xmlns:a14="http://schemas.microsoft.com/office/drawing/2010/main">
+        <mc:Choice Requires="a14">
           <p:sp>
             <p:nvSpPr>
               <p:cNvPr id="35" name="テキスト ボックス 34">
@@ -4047,6 +4055,7 @@
               </a:bodyPr>
               <a:lstStyle/>
               <a:p>
+                <a:pPr/>
                 <a14:m>
                   <m:oMathPara xmlns:m="http://schemas.openxmlformats.org/officeDocument/2006/math">
                     <m:oMathParaPr>
@@ -4067,7 +4076,7 @@
             </p:txBody>
           </p:sp>
         </mc:Choice>
-        <mc:Fallback>
+        <mc:Fallback xmlns="">
           <p:sp>
             <p:nvSpPr>
               <p:cNvPr id="35" name="テキスト ボックス 34">
@@ -4112,8 +4121,8 @@
           </p:sp>
         </mc:Fallback>
       </mc:AlternateContent>
-      <mc:AlternateContent xmlns:mc="http://schemas.openxmlformats.org/markup-compatibility/2006">
-        <mc:Choice xmlns:a14="http://schemas.microsoft.com/office/drawing/2010/main" Requires="a14">
+      <mc:AlternateContent xmlns:mc="http://schemas.openxmlformats.org/markup-compatibility/2006" xmlns:a14="http://schemas.microsoft.com/office/drawing/2010/main">
+        <mc:Choice Requires="a14">
           <p:sp>
             <p:nvSpPr>
               <p:cNvPr id="36" name="テキスト ボックス 35">
@@ -4142,6 +4151,7 @@
               </a:bodyPr>
               <a:lstStyle/>
               <a:p>
+                <a:pPr/>
                 <a14:m>
                   <m:oMathPara xmlns:m="http://schemas.openxmlformats.org/officeDocument/2006/math">
                     <m:oMathParaPr>
@@ -4162,7 +4172,7 @@
             </p:txBody>
           </p:sp>
         </mc:Choice>
-        <mc:Fallback>
+        <mc:Fallback xmlns="">
           <p:sp>
             <p:nvSpPr>
               <p:cNvPr id="36" name="テキスト ボックス 35">
@@ -4223,7 +4233,7 @@
             </p:nvSpPr>
             <p:spPr>
               <a:xfrm>
-                <a:off x="5903502" y="4084183"/>
+                <a:off x="5920009" y="3961314"/>
                 <a:ext cx="548227" cy="492443"/>
               </a:xfrm>
               <a:prstGeom prst="rect">
@@ -4237,6 +4247,7 @@
               </a:bodyPr>
               <a:lstStyle/>
               <a:p>
+                <a:pPr/>
                 <a14:m>
                   <m:oMathPara xmlns:m="http://schemas.openxmlformats.org/officeDocument/2006/math">
                     <m:oMathParaPr>
@@ -4274,7 +4285,7 @@
             </p:nvSpPr>
             <p:spPr>
               <a:xfrm>
-                <a:off x="5903502" y="4084183"/>
+                <a:off x="5920009" y="3961314"/>
                 <a:ext cx="548227" cy="492443"/>
               </a:xfrm>
               <a:prstGeom prst="rect">
@@ -4302,8 +4313,8 @@
           </p:sp>
         </mc:Fallback>
       </mc:AlternateContent>
-      <mc:AlternateContent xmlns:mc="http://schemas.openxmlformats.org/markup-compatibility/2006">
-        <mc:Choice xmlns:a14="http://schemas.microsoft.com/office/drawing/2010/main" Requires="a14">
+      <mc:AlternateContent xmlns:mc="http://schemas.openxmlformats.org/markup-compatibility/2006" xmlns:a14="http://schemas.microsoft.com/office/drawing/2010/main">
+        <mc:Choice Requires="a14">
           <p:sp>
             <p:nvSpPr>
               <p:cNvPr id="38" name="テキスト ボックス 37">
@@ -4332,6 +4343,7 @@
               </a:bodyPr>
               <a:lstStyle/>
               <a:p>
+                <a:pPr/>
                 <a14:m>
                   <m:oMathPara xmlns:m="http://schemas.openxmlformats.org/officeDocument/2006/math">
                     <m:oMathParaPr>
@@ -4352,7 +4364,7 @@
             </p:txBody>
           </p:sp>
         </mc:Choice>
-        <mc:Fallback>
+        <mc:Fallback xmlns="">
           <p:sp>
             <p:nvSpPr>
               <p:cNvPr id="38" name="テキスト ボックス 37">
